--- a/view/images/screenshot/mpower.pptx
+++ b/view/images/screenshot/mpower.pptx
@@ -196,7 +196,7 @@
           <a:p>
             <a:fld id="{65892BFA-E028-2747-845C-2C2DD71EE90C}" type="datetimeFigureOut">
               <a:rPr lang="en-US" smtClean="0"/>
-              <a:t>11/05/13</a:t>
+              <a:t>29/09/13</a:t>
             </a:fld>
             <a:endParaRPr lang="en-US"/>
           </a:p>
@@ -729,7 +729,7 @@
           <a:p>
             <a:fld id="{78BFE74B-9BD7-F042-B244-05C2F6942A73}" type="datetimeFigureOut">
               <a:rPr lang="en-US" smtClean="0"/>
-              <a:t>11/05/13</a:t>
+              <a:t>29/09/13</a:t>
             </a:fld>
             <a:endParaRPr lang="en-US"/>
           </a:p>
@@ -899,7 +899,7 @@
           <a:p>
             <a:fld id="{78BFE74B-9BD7-F042-B244-05C2F6942A73}" type="datetimeFigureOut">
               <a:rPr lang="en-US" smtClean="0"/>
-              <a:t>11/05/13</a:t>
+              <a:t>29/09/13</a:t>
             </a:fld>
             <a:endParaRPr lang="en-US"/>
           </a:p>
@@ -1079,7 +1079,7 @@
           <a:p>
             <a:fld id="{78BFE74B-9BD7-F042-B244-05C2F6942A73}" type="datetimeFigureOut">
               <a:rPr lang="en-US" smtClean="0"/>
-              <a:t>11/05/13</a:t>
+              <a:t>29/09/13</a:t>
             </a:fld>
             <a:endParaRPr lang="en-US"/>
           </a:p>
@@ -1249,7 +1249,7 @@
           <a:p>
             <a:fld id="{78BFE74B-9BD7-F042-B244-05C2F6942A73}" type="datetimeFigureOut">
               <a:rPr lang="en-US" smtClean="0"/>
-              <a:t>11/05/13</a:t>
+              <a:t>29/09/13</a:t>
             </a:fld>
             <a:endParaRPr lang="en-US"/>
           </a:p>
@@ -1495,7 +1495,7 @@
           <a:p>
             <a:fld id="{78BFE74B-9BD7-F042-B244-05C2F6942A73}" type="datetimeFigureOut">
               <a:rPr lang="en-US" smtClean="0"/>
-              <a:t>11/05/13</a:t>
+              <a:t>29/09/13</a:t>
             </a:fld>
             <a:endParaRPr lang="en-US"/>
           </a:p>
@@ -1783,7 +1783,7 @@
           <a:p>
             <a:fld id="{78BFE74B-9BD7-F042-B244-05C2F6942A73}" type="datetimeFigureOut">
               <a:rPr lang="en-US" smtClean="0"/>
-              <a:t>11/05/13</a:t>
+              <a:t>29/09/13</a:t>
             </a:fld>
             <a:endParaRPr lang="en-US"/>
           </a:p>
@@ -2205,7 +2205,7 @@
           <a:p>
             <a:fld id="{78BFE74B-9BD7-F042-B244-05C2F6942A73}" type="datetimeFigureOut">
               <a:rPr lang="en-US" smtClean="0"/>
-              <a:t>11/05/13</a:t>
+              <a:t>29/09/13</a:t>
             </a:fld>
             <a:endParaRPr lang="en-US"/>
           </a:p>
@@ -2323,7 +2323,7 @@
           <a:p>
             <a:fld id="{78BFE74B-9BD7-F042-B244-05C2F6942A73}" type="datetimeFigureOut">
               <a:rPr lang="en-US" smtClean="0"/>
-              <a:t>11/05/13</a:t>
+              <a:t>29/09/13</a:t>
             </a:fld>
             <a:endParaRPr lang="en-US"/>
           </a:p>
@@ -2418,7 +2418,7 @@
           <a:p>
             <a:fld id="{78BFE74B-9BD7-F042-B244-05C2F6942A73}" type="datetimeFigureOut">
               <a:rPr lang="en-US" smtClean="0"/>
-              <a:t>11/05/13</a:t>
+              <a:t>29/09/13</a:t>
             </a:fld>
             <a:endParaRPr lang="en-US"/>
           </a:p>
@@ -2695,7 +2695,7 @@
           <a:p>
             <a:fld id="{78BFE74B-9BD7-F042-B244-05C2F6942A73}" type="datetimeFigureOut">
               <a:rPr lang="en-US" smtClean="0"/>
-              <a:t>11/05/13</a:t>
+              <a:t>29/09/13</a:t>
             </a:fld>
             <a:endParaRPr lang="en-US"/>
           </a:p>
@@ -2948,7 +2948,7 @@
           <a:p>
             <a:fld id="{78BFE74B-9BD7-F042-B244-05C2F6942A73}" type="datetimeFigureOut">
               <a:rPr lang="en-US" smtClean="0"/>
-              <a:t>11/05/13</a:t>
+              <a:t>29/09/13</a:t>
             </a:fld>
             <a:endParaRPr lang="en-US"/>
           </a:p>
@@ -3161,7 +3161,7 @@
           <a:p>
             <a:fld id="{78BFE74B-9BD7-F042-B244-05C2F6942A73}" type="datetimeFigureOut">
               <a:rPr lang="en-US" smtClean="0"/>
-              <a:t>11/05/13</a:t>
+              <a:t>29/09/13</a:t>
             </a:fld>
             <a:endParaRPr lang="en-US"/>
           </a:p>
@@ -4328,7 +4328,7 @@
       </p:pic>
       <p:pic>
         <p:nvPicPr>
-          <p:cNvPr id="16" name="Picture 15" descr="Screenshot_2013-05-10-15-50-08.png"/>
+          <p:cNvPr id="16" name="Picture 15"/>
           <p:cNvPicPr>
             <a:picLocks noChangeAspect="1"/>
           </p:cNvPicPr>
@@ -4348,8 +4348,8 @@
         </p:blipFill>
         <p:spPr>
           <a:xfrm>
-            <a:off x="3830338" y="635545"/>
-            <a:ext cx="3079603" cy="5564232"/>
+            <a:off x="3875456" y="636440"/>
+            <a:ext cx="2990693" cy="5474849"/>
           </a:xfrm>
           <a:prstGeom prst="rect">
             <a:avLst/>
